--- a/ppts/Lesson 1.pptx
+++ b/ppts/Lesson 1.pptx
@@ -6,11 +6,12 @@
   </p:sldMasterIdLst>
   <p:sldIdLst>
     <p:sldId id="256" r:id="rId2"/>
-    <p:sldId id="257" r:id="rId3"/>
-    <p:sldId id="258" r:id="rId4"/>
-    <p:sldId id="260" r:id="rId5"/>
-    <p:sldId id="261" r:id="rId6"/>
-    <p:sldId id="262" r:id="rId7"/>
+    <p:sldId id="263" r:id="rId3"/>
+    <p:sldId id="257" r:id="rId4"/>
+    <p:sldId id="258" r:id="rId5"/>
+    <p:sldId id="260" r:id="rId6"/>
+    <p:sldId id="261" r:id="rId7"/>
+    <p:sldId id="262" r:id="rId8"/>
   </p:sldIdLst>
   <p:sldSz cx="12192000" cy="6858000"/>
   <p:notesSz cx="6858000" cy="9144000"/>
@@ -3419,7 +3420,7 @@
           <p:cNvPr id="2" name="Title 1">
             <a:extLst>
               <a:ext uri="{FF2B5EF4-FFF2-40B4-BE49-F238E27FC236}">
-                <a16:creationId xmlns:a16="http://schemas.microsoft.com/office/drawing/2014/main" id="{C0E376F0-12F5-4F1E-8801-DA8D0A16A68C}"/>
+                <a16:creationId xmlns:a16="http://schemas.microsoft.com/office/drawing/2014/main" id="{BBC03B5A-845A-4CF6-B64D-2B738AB8DEB1}"/>
               </a:ext>
             </a:extLst>
           </p:cNvPr>
@@ -3430,117 +3431,29 @@
             <p:ph type="title"/>
           </p:nvPr>
         </p:nvSpPr>
-        <p:spPr/>
+        <p:spPr>
+          <a:xfrm>
+            <a:off x="127000" y="41466"/>
+            <a:ext cx="10515600" cy="1325563"/>
+          </a:xfrm>
+        </p:spPr>
         <p:txBody>
           <a:bodyPr/>
           <a:lstStyle/>
           <a:p>
             <a:r>
               <a:rPr lang="en-US" dirty="0"/>
-              <a:t>Mutability vs. Immutability</a:t>
-            </a:r>
-          </a:p>
-        </p:txBody>
-      </p:sp>
-      <p:sp>
-        <p:nvSpPr>
-          <p:cNvPr id="3" name="Content Placeholder 2">
-            <a:extLst>
-              <a:ext uri="{FF2B5EF4-FFF2-40B4-BE49-F238E27FC236}">
-                <a16:creationId xmlns:a16="http://schemas.microsoft.com/office/drawing/2014/main" id="{071CEA41-7B06-4C09-B044-AABEBFDD3114}"/>
-              </a:ext>
-            </a:extLst>
-          </p:cNvPr>
-          <p:cNvSpPr>
-            <a:spLocks noGrp="1"/>
-          </p:cNvSpPr>
-          <p:nvPr>
-            <p:ph idx="1"/>
-          </p:nvPr>
-        </p:nvSpPr>
-        <p:spPr>
-          <a:xfrm>
-            <a:off x="838200" y="1825625"/>
-            <a:ext cx="5163105" cy="4351338"/>
-          </a:xfrm>
-        </p:spPr>
-        <p:txBody>
-          <a:bodyPr/>
-          <a:lstStyle/>
-          <a:p>
-            <a:r>
-              <a:rPr lang="en-US" dirty="0"/>
-              <a:t>Just describes whether or not an object simply returns a new object or changes its internal state.</a:t>
-            </a:r>
-          </a:p>
-          <a:p>
-            <a:r>
-              <a:rPr lang="en-US" dirty="0"/>
-              <a:t>Objects are allowed to return new objects and change themselves at </a:t>
-            </a:r>
-            <a:r>
-              <a:rPr lang="en-US"/>
-              <a:t>the same time as well.</a:t>
-            </a:r>
-            <a:endParaRPr lang="en-US" dirty="0"/>
-          </a:p>
-        </p:txBody>
-      </p:sp>
-      <p:sp>
-        <p:nvSpPr>
-          <p:cNvPr id="4" name="Oval 3">
-            <a:extLst>
-              <a:ext uri="{FF2B5EF4-FFF2-40B4-BE49-F238E27FC236}">
-                <a16:creationId xmlns:a16="http://schemas.microsoft.com/office/drawing/2014/main" id="{A97375EC-DF3F-47BC-BCDF-B89798654915}"/>
-              </a:ext>
-            </a:extLst>
-          </p:cNvPr>
-          <p:cNvSpPr/>
-          <p:nvPr/>
-        </p:nvSpPr>
-        <p:spPr>
-          <a:xfrm>
-            <a:off x="8156586" y="2920609"/>
-            <a:ext cx="1679329" cy="1592455"/>
-          </a:xfrm>
-          <a:prstGeom prst="ellipse">
-            <a:avLst/>
-          </a:prstGeom>
-          <a:solidFill>
-            <a:schemeClr val="bg1"/>
-          </a:solidFill>
-        </p:spPr>
-        <p:style>
-          <a:lnRef idx="2">
-            <a:schemeClr val="accent1">
-              <a:shade val="50000"/>
-            </a:schemeClr>
-          </a:lnRef>
-          <a:fillRef idx="1">
-            <a:schemeClr val="accent1"/>
-          </a:fillRef>
-          <a:effectRef idx="0">
-            <a:schemeClr val="accent1"/>
-          </a:effectRef>
-          <a:fontRef idx="minor">
-            <a:schemeClr val="lt1"/>
-          </a:fontRef>
-        </p:style>
-        <p:txBody>
-          <a:bodyPr rtlCol="0" anchor="ctr"/>
-          <a:lstStyle/>
-          <a:p>
-            <a:pPr algn="ctr"/>
-            <a:endParaRPr lang="en-US"/>
-          </a:p>
-        </p:txBody>
-      </p:sp>
-      <p:sp>
-        <p:nvSpPr>
-          <p:cNvPr id="5" name="TextBox 4">
-            <a:extLst>
-              <a:ext uri="{FF2B5EF4-FFF2-40B4-BE49-F238E27FC236}">
-                <a16:creationId xmlns:a16="http://schemas.microsoft.com/office/drawing/2014/main" id="{594BD25F-13B9-4F9C-A01B-B26090E14C69}"/>
+              <a:t>Indexing</a:t>
+            </a:r>
+          </a:p>
+        </p:txBody>
+      </p:sp>
+      <p:sp>
+        <p:nvSpPr>
+          <p:cNvPr id="4" name="TextBox 3">
+            <a:extLst>
+              <a:ext uri="{FF2B5EF4-FFF2-40B4-BE49-F238E27FC236}">
+                <a16:creationId xmlns:a16="http://schemas.microsoft.com/office/drawing/2014/main" id="{1283B848-8D20-4795-BCFE-8DDF348A38F3}"/>
               </a:ext>
             </a:extLst>
           </p:cNvPr>
@@ -3549,8 +3462,8 @@
         </p:nvSpPr>
         <p:spPr>
           <a:xfrm>
-            <a:off x="8099605" y="3502242"/>
-            <a:ext cx="1793290" cy="369332"/>
+            <a:off x="1669002" y="2183908"/>
+            <a:ext cx="8531441" cy="1569660"/>
           </a:xfrm>
           <a:prstGeom prst="rect">
             <a:avLst/>
@@ -3565,33 +3478,46 @@
           <a:p>
             <a:pPr algn="ctr"/>
             <a:r>
-              <a:rPr lang="en-US" dirty="0"/>
-              <a:t>Object</a:t>
+              <a:rPr lang="en-US" sz="9600" dirty="0"/>
+              <a:t>“</a:t>
+            </a:r>
+            <a:r>
+              <a:rPr lang="en-US" sz="9600" dirty="0" err="1"/>
+              <a:t>Hello_World</a:t>
+            </a:r>
+            <a:r>
+              <a:rPr lang="en-US" sz="9600" dirty="0"/>
+              <a:t>”</a:t>
             </a:r>
           </a:p>
         </p:txBody>
       </p:sp>
       <p:cxnSp>
         <p:nvCxnSpPr>
-          <p:cNvPr id="9" name="Straight Arrow Connector 8">
-            <a:extLst>
-              <a:ext uri="{FF2B5EF4-FFF2-40B4-BE49-F238E27FC236}">
-                <a16:creationId xmlns:a16="http://schemas.microsoft.com/office/drawing/2014/main" id="{BFC61ACB-511B-4AA2-8CD2-914A2C163523}"/>
-              </a:ext>
-            </a:extLst>
-          </p:cNvPr>
-          <p:cNvCxnSpPr/>
+          <p:cNvPr id="7" name="Straight Arrow Connector 6">
+            <a:extLst>
+              <a:ext uri="{FF2B5EF4-FFF2-40B4-BE49-F238E27FC236}">
+                <a16:creationId xmlns:a16="http://schemas.microsoft.com/office/drawing/2014/main" id="{FB55E100-B088-4176-ADC0-6E7A37EB4AAD}"/>
+              </a:ext>
+            </a:extLst>
+          </p:cNvPr>
+          <p:cNvCxnSpPr>
+            <a:cxnSpLocks/>
+          </p:cNvCxnSpPr>
           <p:nvPr/>
         </p:nvCxnSpPr>
         <p:spPr>
           <a:xfrm>
-            <a:off x="8991569" y="4598565"/>
-            <a:ext cx="0" cy="674704"/>
+            <a:off x="3208695" y="1711055"/>
+            <a:ext cx="0" cy="722745"/>
           </a:xfrm>
           <a:prstGeom prst="straightConnector1">
             <a:avLst/>
           </a:prstGeom>
-          <a:ln w="63500">
+          <a:ln w="57150">
+            <a:solidFill>
+              <a:srgbClr val="00B050"/>
+            </a:solidFill>
             <a:tailEnd type="triangle"/>
           </a:ln>
         </p:spPr>
@@ -3612,10 +3538,10 @@
       </p:cxnSp>
       <p:sp>
         <p:nvSpPr>
-          <p:cNvPr id="10" name="TextBox 9">
-            <a:extLst>
-              <a:ext uri="{FF2B5EF4-FFF2-40B4-BE49-F238E27FC236}">
-                <a16:creationId xmlns:a16="http://schemas.microsoft.com/office/drawing/2014/main" id="{1EF41ED1-B6F8-4E74-833F-77BDD02971AB}"/>
+          <p:cNvPr id="8" name="TextBox 7">
+            <a:extLst>
+              <a:ext uri="{FF2B5EF4-FFF2-40B4-BE49-F238E27FC236}">
+                <a16:creationId xmlns:a16="http://schemas.microsoft.com/office/drawing/2014/main" id="{DF52EBA6-C36B-4E47-9728-62764F07B72F}"/>
               </a:ext>
             </a:extLst>
           </p:cNvPr>
@@ -3624,8 +3550,8 @@
         </p:nvSpPr>
         <p:spPr>
           <a:xfrm>
-            <a:off x="8201788" y="5264273"/>
-            <a:ext cx="1579561" cy="646331"/>
+            <a:off x="2455931" y="1279779"/>
+            <a:ext cx="1505527" cy="369332"/>
           </a:xfrm>
           <a:prstGeom prst="rect">
             <a:avLst/>
@@ -3641,17 +3567,17 @@
             <a:pPr algn="ctr"/>
             <a:r>
               <a:rPr lang="en-US" dirty="0"/>
-              <a:t>Create new object.</a:t>
+              <a:t>First Element</a:t>
             </a:r>
           </a:p>
         </p:txBody>
       </p:sp>
       <p:cxnSp>
         <p:nvCxnSpPr>
-          <p:cNvPr id="12" name="Connector: Curved 11">
-            <a:extLst>
-              <a:ext uri="{FF2B5EF4-FFF2-40B4-BE49-F238E27FC236}">
-                <a16:creationId xmlns:a16="http://schemas.microsoft.com/office/drawing/2014/main" id="{6E33EF31-845A-4508-BFA1-2C2EAA9E9ADF}"/>
+          <p:cNvPr id="10" name="Straight Arrow Connector 9">
+            <a:extLst>
+              <a:ext uri="{FF2B5EF4-FFF2-40B4-BE49-F238E27FC236}">
+                <a16:creationId xmlns:a16="http://schemas.microsoft.com/office/drawing/2014/main" id="{E6B5C481-E388-45E6-A289-D1252BEB5F92}"/>
               </a:ext>
             </a:extLst>
           </p:cNvPr>
@@ -3661,16 +3587,17 @@
           <p:nvPr/>
         </p:nvCxnSpPr>
         <p:spPr>
-          <a:xfrm rot="10800000">
-            <a:off x="9577104" y="3088229"/>
-            <a:ext cx="315791" cy="309451"/>
-          </a:xfrm>
-          <a:prstGeom prst="curvedConnector3">
-            <a:avLst>
-              <a:gd name="adj1" fmla="val -325244"/>
-            </a:avLst>
+          <a:xfrm flipV="1">
+            <a:off x="2760731" y="3456065"/>
+            <a:ext cx="0" cy="660834"/>
+          </a:xfrm>
+          <a:prstGeom prst="straightConnector1">
+            <a:avLst/>
           </a:prstGeom>
-          <a:ln w="50800">
+          <a:ln w="57150">
+            <a:solidFill>
+              <a:srgbClr val="00B050"/>
+            </a:solidFill>
             <a:tailEnd type="triangle"/>
           </a:ln>
         </p:spPr>
@@ -3694,7 +3621,7 @@
           <p:cNvPr id="13" name="TextBox 12">
             <a:extLst>
               <a:ext uri="{FF2B5EF4-FFF2-40B4-BE49-F238E27FC236}">
-                <a16:creationId xmlns:a16="http://schemas.microsoft.com/office/drawing/2014/main" id="{9E624C23-C7C2-411D-8550-D2834E05B246}"/>
+                <a16:creationId xmlns:a16="http://schemas.microsoft.com/office/drawing/2014/main" id="{D6B64E89-6447-4F25-A7D2-B16ABC19CC62}"/>
               </a:ext>
             </a:extLst>
           </p:cNvPr>
@@ -3703,18 +3630,13 @@
         </p:nvSpPr>
         <p:spPr>
           <a:xfrm>
-            <a:off x="9952677" y="2600303"/>
-            <a:ext cx="1445805" cy="369332"/>
+            <a:off x="2146512" y="4236972"/>
+            <a:ext cx="1381777" cy="369332"/>
           </a:xfrm>
           <a:prstGeom prst="rect">
             <a:avLst/>
           </a:prstGeom>
           <a:noFill/>
-          <a:ln>
-            <a:solidFill>
-              <a:schemeClr val="tx1"/>
-            </a:solidFill>
-          </a:ln>
         </p:spPr>
         <p:txBody>
           <a:bodyPr wrap="square" rtlCol="0">
@@ -3725,7 +3647,210 @@
             <a:pPr algn="ctr"/>
             <a:r>
               <a:rPr lang="en-US" dirty="0"/>
-              <a:t>Update State</a:t>
+              <a:t>Zeroth Index</a:t>
+            </a:r>
+          </a:p>
+        </p:txBody>
+      </p:sp>
+      <p:cxnSp>
+        <p:nvCxnSpPr>
+          <p:cNvPr id="14" name="Straight Arrow Connector 13">
+            <a:extLst>
+              <a:ext uri="{FF2B5EF4-FFF2-40B4-BE49-F238E27FC236}">
+                <a16:creationId xmlns:a16="http://schemas.microsoft.com/office/drawing/2014/main" id="{05724517-219E-4022-9519-4A42D1E97048}"/>
+              </a:ext>
+            </a:extLst>
+          </p:cNvPr>
+          <p:cNvCxnSpPr>
+            <a:cxnSpLocks/>
+          </p:cNvCxnSpPr>
+          <p:nvPr/>
+        </p:nvCxnSpPr>
+        <p:spPr>
+          <a:xfrm flipV="1">
+            <a:off x="5309497" y="3514938"/>
+            <a:ext cx="0" cy="660834"/>
+          </a:xfrm>
+          <a:prstGeom prst="straightConnector1">
+            <a:avLst/>
+          </a:prstGeom>
+          <a:ln w="57150">
+            <a:solidFill>
+              <a:srgbClr val="00B050"/>
+            </a:solidFill>
+            <a:tailEnd type="triangle"/>
+          </a:ln>
+        </p:spPr>
+        <p:style>
+          <a:lnRef idx="1">
+            <a:schemeClr val="accent1"/>
+          </a:lnRef>
+          <a:fillRef idx="0">
+            <a:schemeClr val="accent1"/>
+          </a:fillRef>
+          <a:effectRef idx="0">
+            <a:schemeClr val="accent1"/>
+          </a:effectRef>
+          <a:fontRef idx="minor">
+            <a:schemeClr val="tx1"/>
+          </a:fontRef>
+        </p:style>
+      </p:cxnSp>
+      <p:sp>
+        <p:nvSpPr>
+          <p:cNvPr id="15" name="TextBox 14">
+            <a:extLst>
+              <a:ext uri="{FF2B5EF4-FFF2-40B4-BE49-F238E27FC236}">
+                <a16:creationId xmlns:a16="http://schemas.microsoft.com/office/drawing/2014/main" id="{E9BDF4DE-38DE-4227-A5B1-01E2C1D4ADD8}"/>
+              </a:ext>
+            </a:extLst>
+          </p:cNvPr>
+          <p:cNvSpPr txBox="1"/>
+          <p:nvPr/>
+        </p:nvSpPr>
+        <p:spPr>
+          <a:xfrm>
+            <a:off x="4579354" y="4288365"/>
+            <a:ext cx="1460285" cy="369332"/>
+          </a:xfrm>
+          <a:prstGeom prst="rect">
+            <a:avLst/>
+          </a:prstGeom>
+          <a:noFill/>
+        </p:spPr>
+        <p:txBody>
+          <a:bodyPr wrap="square" rtlCol="0">
+            <a:spAutoFit/>
+          </a:bodyPr>
+          <a:lstStyle/>
+          <a:p>
+            <a:pPr algn="ctr"/>
+            <a:r>
+              <a:rPr lang="en-US" dirty="0"/>
+              <a:t>Fifth Index</a:t>
+            </a:r>
+          </a:p>
+        </p:txBody>
+      </p:sp>
+      <p:cxnSp>
+        <p:nvCxnSpPr>
+          <p:cNvPr id="16" name="Straight Arrow Connector 15">
+            <a:extLst>
+              <a:ext uri="{FF2B5EF4-FFF2-40B4-BE49-F238E27FC236}">
+                <a16:creationId xmlns:a16="http://schemas.microsoft.com/office/drawing/2014/main" id="{43E9B43E-1BFC-4061-9F5B-E3137E30445D}"/>
+              </a:ext>
+            </a:extLst>
+          </p:cNvPr>
+          <p:cNvCxnSpPr>
+            <a:cxnSpLocks/>
+          </p:cNvCxnSpPr>
+          <p:nvPr/>
+        </p:nvCxnSpPr>
+        <p:spPr>
+          <a:xfrm>
+            <a:off x="5051349" y="1711055"/>
+            <a:ext cx="0" cy="722745"/>
+          </a:xfrm>
+          <a:prstGeom prst="straightConnector1">
+            <a:avLst/>
+          </a:prstGeom>
+          <a:ln w="57150">
+            <a:solidFill>
+              <a:srgbClr val="00B050"/>
+            </a:solidFill>
+            <a:tailEnd type="triangle"/>
+          </a:ln>
+        </p:spPr>
+        <p:style>
+          <a:lnRef idx="1">
+            <a:schemeClr val="accent1"/>
+          </a:lnRef>
+          <a:fillRef idx="0">
+            <a:schemeClr val="accent1"/>
+          </a:fillRef>
+          <a:effectRef idx="0">
+            <a:schemeClr val="accent1"/>
+          </a:effectRef>
+          <a:fontRef idx="minor">
+            <a:schemeClr val="tx1"/>
+          </a:fontRef>
+        </p:style>
+      </p:cxnSp>
+      <p:sp>
+        <p:nvSpPr>
+          <p:cNvPr id="17" name="TextBox 16">
+            <a:extLst>
+              <a:ext uri="{FF2B5EF4-FFF2-40B4-BE49-F238E27FC236}">
+                <a16:creationId xmlns:a16="http://schemas.microsoft.com/office/drawing/2014/main" id="{DCADA47A-4227-40F7-81F4-027719414C45}"/>
+              </a:ext>
+            </a:extLst>
+          </p:cNvPr>
+          <p:cNvSpPr txBox="1"/>
+          <p:nvPr/>
+        </p:nvSpPr>
+        <p:spPr>
+          <a:xfrm>
+            <a:off x="4298585" y="1279779"/>
+            <a:ext cx="1505527" cy="369332"/>
+          </a:xfrm>
+          <a:prstGeom prst="rect">
+            <a:avLst/>
+          </a:prstGeom>
+          <a:noFill/>
+        </p:spPr>
+        <p:txBody>
+          <a:bodyPr wrap="square" rtlCol="0">
+            <a:spAutoFit/>
+          </a:bodyPr>
+          <a:lstStyle/>
+          <a:p>
+            <a:pPr algn="ctr"/>
+            <a:r>
+              <a:rPr lang="en-US" dirty="0"/>
+              <a:t>Fifth Element</a:t>
+            </a:r>
+          </a:p>
+        </p:txBody>
+      </p:sp>
+      <p:sp>
+        <p:nvSpPr>
+          <p:cNvPr id="18" name="TextBox 17">
+            <a:extLst>
+              <a:ext uri="{FF2B5EF4-FFF2-40B4-BE49-F238E27FC236}">
+                <a16:creationId xmlns:a16="http://schemas.microsoft.com/office/drawing/2014/main" id="{2929FB07-9F98-487B-96FD-2398AB60D0B7}"/>
+              </a:ext>
+            </a:extLst>
+          </p:cNvPr>
+          <p:cNvSpPr txBox="1"/>
+          <p:nvPr/>
+        </p:nvSpPr>
+        <p:spPr>
+          <a:xfrm>
+            <a:off x="2481758" y="5208889"/>
+            <a:ext cx="3058178" cy="369332"/>
+          </a:xfrm>
+          <a:prstGeom prst="rect">
+            <a:avLst/>
+          </a:prstGeom>
+          <a:noFill/>
+        </p:spPr>
+        <p:txBody>
+          <a:bodyPr wrap="square" rtlCol="0">
+            <a:spAutoFit/>
+          </a:bodyPr>
+          <a:lstStyle/>
+          <a:p>
+            <a:r>
+              <a:rPr lang="en-US" dirty="0"/>
+              <a:t>“</a:t>
+            </a:r>
+            <a:r>
+              <a:rPr lang="en-US" dirty="0" err="1"/>
+              <a:t>Hello_World</a:t>
+            </a:r>
+            <a:r>
+              <a:rPr lang="en-US" dirty="0"/>
+              <a:t>”[0:5] =&gt; “Hello”</a:t>
             </a:r>
           </a:p>
         </p:txBody>
@@ -3733,7 +3858,7 @@
     </p:spTree>
     <p:extLst>
       <p:ext uri="{BB962C8B-B14F-4D97-AF65-F5344CB8AC3E}">
-        <p14:creationId xmlns:p14="http://schemas.microsoft.com/office/powerpoint/2010/main" val="1054823768"/>
+        <p14:creationId xmlns:p14="http://schemas.microsoft.com/office/powerpoint/2010/main" val="3365170659"/>
       </p:ext>
     </p:extLst>
   </p:cSld>
@@ -3765,7 +3890,7 @@
           <p:cNvPr id="2" name="Title 1">
             <a:extLst>
               <a:ext uri="{FF2B5EF4-FFF2-40B4-BE49-F238E27FC236}">
-                <a16:creationId xmlns:a16="http://schemas.microsoft.com/office/drawing/2014/main" id="{179B3FEE-7F5A-40E1-8D2E-EDA2B021B367}"/>
+                <a16:creationId xmlns:a16="http://schemas.microsoft.com/office/drawing/2014/main" id="{C0E376F0-12F5-4F1E-8801-DA8D0A16A68C}"/>
               </a:ext>
             </a:extLst>
           </p:cNvPr>
@@ -3783,8 +3908,52 @@
           <a:p>
             <a:r>
               <a:rPr lang="en-US" dirty="0"/>
-              <a:t>Integers (Immutable)</a:t>
-            </a:r>
+              <a:t>Mutability vs. Immutability</a:t>
+            </a:r>
+          </a:p>
+        </p:txBody>
+      </p:sp>
+      <p:sp>
+        <p:nvSpPr>
+          <p:cNvPr id="3" name="Content Placeholder 2">
+            <a:extLst>
+              <a:ext uri="{FF2B5EF4-FFF2-40B4-BE49-F238E27FC236}">
+                <a16:creationId xmlns:a16="http://schemas.microsoft.com/office/drawing/2014/main" id="{071CEA41-7B06-4C09-B044-AABEBFDD3114}"/>
+              </a:ext>
+            </a:extLst>
+          </p:cNvPr>
+          <p:cNvSpPr>
+            <a:spLocks noGrp="1"/>
+          </p:cNvSpPr>
+          <p:nvPr>
+            <p:ph idx="1"/>
+          </p:nvPr>
+        </p:nvSpPr>
+        <p:spPr>
+          <a:xfrm>
+            <a:off x="838200" y="1825625"/>
+            <a:ext cx="5163105" cy="4351338"/>
+          </a:xfrm>
+        </p:spPr>
+        <p:txBody>
+          <a:bodyPr/>
+          <a:lstStyle/>
+          <a:p>
+            <a:r>
+              <a:rPr lang="en-US" dirty="0"/>
+              <a:t>Just describes whether or not an object simply returns a new object or changes its internal state.</a:t>
+            </a:r>
+          </a:p>
+          <a:p>
+            <a:r>
+              <a:rPr lang="en-US" dirty="0"/>
+              <a:t>Objects are allowed to return new objects and change themselves at </a:t>
+            </a:r>
+            <a:r>
+              <a:rPr lang="en-US"/>
+              <a:t>the same time as well.</a:t>
+            </a:r>
+            <a:endParaRPr lang="en-US" dirty="0"/>
           </a:p>
         </p:txBody>
       </p:sp>
@@ -3793,7 +3962,7 @@
           <p:cNvPr id="4" name="Oval 3">
             <a:extLst>
               <a:ext uri="{FF2B5EF4-FFF2-40B4-BE49-F238E27FC236}">
-                <a16:creationId xmlns:a16="http://schemas.microsoft.com/office/drawing/2014/main" id="{8F0BF89B-4FB1-46B3-A422-A3C75813D68B}"/>
+                <a16:creationId xmlns:a16="http://schemas.microsoft.com/office/drawing/2014/main" id="{A97375EC-DF3F-47BC-BCDF-B89798654915}"/>
               </a:ext>
             </a:extLst>
           </p:cNvPr>
@@ -3802,7 +3971,7 @@
         </p:nvSpPr>
         <p:spPr>
           <a:xfrm>
-            <a:off x="4694295" y="2478035"/>
+            <a:off x="8156586" y="2920609"/>
             <a:ext cx="1679329" cy="1592455"/>
           </a:xfrm>
           <a:prstGeom prst="ellipse">
@@ -3842,7 +4011,7 @@
           <p:cNvPr id="5" name="TextBox 4">
             <a:extLst>
               <a:ext uri="{FF2B5EF4-FFF2-40B4-BE49-F238E27FC236}">
-                <a16:creationId xmlns:a16="http://schemas.microsoft.com/office/drawing/2014/main" id="{62CCE6F8-E933-4EA1-A69C-3C71BD75C798}"/>
+                <a16:creationId xmlns:a16="http://schemas.microsoft.com/office/drawing/2014/main" id="{594BD25F-13B9-4F9C-A01B-B26090E14C69}"/>
               </a:ext>
             </a:extLst>
           </p:cNvPr>
@@ -3851,7 +4020,7 @@
         </p:nvSpPr>
         <p:spPr>
           <a:xfrm>
-            <a:off x="4637314" y="3059668"/>
+            <a:off x="8099605" y="3502242"/>
             <a:ext cx="1793290" cy="369332"/>
           </a:xfrm>
           <a:prstGeom prst="rect">
@@ -3868,17 +4037,17 @@
             <a:pPr algn="ctr"/>
             <a:r>
               <a:rPr lang="en-US" dirty="0"/>
-              <a:t>Integer</a:t>
+              <a:t>Object</a:t>
             </a:r>
           </a:p>
         </p:txBody>
       </p:sp>
       <p:cxnSp>
         <p:nvCxnSpPr>
-          <p:cNvPr id="6" name="Straight Arrow Connector 5">
-            <a:extLst>
-              <a:ext uri="{FF2B5EF4-FFF2-40B4-BE49-F238E27FC236}">
-                <a16:creationId xmlns:a16="http://schemas.microsoft.com/office/drawing/2014/main" id="{B1E66788-01CB-4373-A432-7E1C1E980473}"/>
+          <p:cNvPr id="9" name="Straight Arrow Connector 8">
+            <a:extLst>
+              <a:ext uri="{FF2B5EF4-FFF2-40B4-BE49-F238E27FC236}">
+                <a16:creationId xmlns:a16="http://schemas.microsoft.com/office/drawing/2014/main" id="{BFC61ACB-511B-4AA2-8CD2-914A2C163523}"/>
               </a:ext>
             </a:extLst>
           </p:cNvPr>
@@ -3887,7 +4056,7 @@
         </p:nvCxnSpPr>
         <p:spPr>
           <a:xfrm>
-            <a:off x="5529278" y="4155991"/>
+            <a:off x="8991569" y="4598565"/>
             <a:ext cx="0" cy="674704"/>
           </a:xfrm>
           <a:prstGeom prst="straightConnector1">
@@ -3914,10 +4083,10 @@
       </p:cxnSp>
       <p:sp>
         <p:nvSpPr>
-          <p:cNvPr id="7" name="TextBox 6">
-            <a:extLst>
-              <a:ext uri="{FF2B5EF4-FFF2-40B4-BE49-F238E27FC236}">
-                <a16:creationId xmlns:a16="http://schemas.microsoft.com/office/drawing/2014/main" id="{4D98A4FA-2E16-49C1-85E7-C9A843FF3EE3}"/>
+          <p:cNvPr id="10" name="TextBox 9">
+            <a:extLst>
+              <a:ext uri="{FF2B5EF4-FFF2-40B4-BE49-F238E27FC236}">
+                <a16:creationId xmlns:a16="http://schemas.microsoft.com/office/drawing/2014/main" id="{1EF41ED1-B6F8-4E74-833F-77BDD02971AB}"/>
               </a:ext>
             </a:extLst>
           </p:cNvPr>
@@ -3926,8 +4095,8 @@
         </p:nvSpPr>
         <p:spPr>
           <a:xfrm>
-            <a:off x="4739497" y="4821699"/>
-            <a:ext cx="1579561" cy="369332"/>
+            <a:off x="8201788" y="5264273"/>
+            <a:ext cx="1579561" cy="646331"/>
           </a:xfrm>
           <a:prstGeom prst="rect">
             <a:avLst/>
@@ -3943,17 +4112,17 @@
             <a:pPr algn="ctr"/>
             <a:r>
               <a:rPr lang="en-US" dirty="0"/>
-              <a:t>New number</a:t>
+              <a:t>Create new object.</a:t>
             </a:r>
           </a:p>
         </p:txBody>
       </p:sp>
       <p:cxnSp>
         <p:nvCxnSpPr>
-          <p:cNvPr id="8" name="Connector: Curved 7">
-            <a:extLst>
-              <a:ext uri="{FF2B5EF4-FFF2-40B4-BE49-F238E27FC236}">
-                <a16:creationId xmlns:a16="http://schemas.microsoft.com/office/drawing/2014/main" id="{51FE4399-5AA5-4C55-81BD-88BBBB403433}"/>
+          <p:cNvPr id="12" name="Connector: Curved 11">
+            <a:extLst>
+              <a:ext uri="{FF2B5EF4-FFF2-40B4-BE49-F238E27FC236}">
+                <a16:creationId xmlns:a16="http://schemas.microsoft.com/office/drawing/2014/main" id="{6E33EF31-845A-4508-BFA1-2C2EAA9E9ADF}"/>
               </a:ext>
             </a:extLst>
           </p:cNvPr>
@@ -3964,7 +4133,7 @@
         </p:nvCxnSpPr>
         <p:spPr>
           <a:xfrm rot="10800000">
-            <a:off x="6114813" y="2645655"/>
+            <a:off x="9577104" y="3088229"/>
             <a:ext cx="315791" cy="309451"/>
           </a:xfrm>
           <a:prstGeom prst="curvedConnector3">
@@ -3993,10 +4162,10 @@
       </p:cxnSp>
       <p:sp>
         <p:nvSpPr>
-          <p:cNvPr id="9" name="TextBox 8">
-            <a:extLst>
-              <a:ext uri="{FF2B5EF4-FFF2-40B4-BE49-F238E27FC236}">
-                <a16:creationId xmlns:a16="http://schemas.microsoft.com/office/drawing/2014/main" id="{6889647B-CE0C-40C6-AF27-FF45309B5BC9}"/>
+          <p:cNvPr id="13" name="TextBox 12">
+            <a:extLst>
+              <a:ext uri="{FF2B5EF4-FFF2-40B4-BE49-F238E27FC236}">
+                <a16:creationId xmlns:a16="http://schemas.microsoft.com/office/drawing/2014/main" id="{9E624C23-C7C2-411D-8550-D2834E05B246}"/>
               </a:ext>
             </a:extLst>
           </p:cNvPr>
@@ -4005,8 +4174,8 @@
         </p:nvSpPr>
         <p:spPr>
           <a:xfrm>
-            <a:off x="6430604" y="2170173"/>
-            <a:ext cx="1943400" cy="369332"/>
+            <a:off x="9952677" y="2600303"/>
+            <a:ext cx="1445805" cy="369332"/>
           </a:xfrm>
           <a:prstGeom prst="rect">
             <a:avLst/>
@@ -4027,7 +4196,7 @@
             <a:pPr algn="ctr"/>
             <a:r>
               <a:rPr lang="en-US" dirty="0"/>
-              <a:t>Identity Function</a:t>
+              <a:t>Update State</a:t>
             </a:r>
           </a:p>
         </p:txBody>
@@ -4035,7 +4204,7 @@
     </p:spTree>
     <p:extLst>
       <p:ext uri="{BB962C8B-B14F-4D97-AF65-F5344CB8AC3E}">
-        <p14:creationId xmlns:p14="http://schemas.microsoft.com/office/powerpoint/2010/main" val="3628231696"/>
+        <p14:creationId xmlns:p14="http://schemas.microsoft.com/office/powerpoint/2010/main" val="1054823768"/>
       </p:ext>
     </p:extLst>
   </p:cSld>
@@ -4085,7 +4254,7 @@
           <a:p>
             <a:r>
               <a:rPr lang="en-US" dirty="0"/>
-              <a:t>Strings (Immutable)</a:t>
+              <a:t>Integers (Immutable)</a:t>
             </a:r>
           </a:p>
         </p:txBody>
@@ -4170,7 +4339,7 @@
             <a:pPr algn="ctr"/>
             <a:r>
               <a:rPr lang="en-US" dirty="0"/>
-              <a:t>String</a:t>
+              <a:t>Integer</a:t>
             </a:r>
           </a:p>
         </p:txBody>
@@ -4245,7 +4414,7 @@
             <a:pPr algn="ctr"/>
             <a:r>
               <a:rPr lang="en-US" dirty="0"/>
-              <a:t>New String</a:t>
+              <a:t>New number</a:t>
             </a:r>
           </a:p>
         </p:txBody>
@@ -4337,7 +4506,7 @@
     </p:spTree>
     <p:extLst>
       <p:ext uri="{BB962C8B-B14F-4D97-AF65-F5344CB8AC3E}">
-        <p14:creationId xmlns:p14="http://schemas.microsoft.com/office/powerpoint/2010/main" val="1692202243"/>
+        <p14:creationId xmlns:p14="http://schemas.microsoft.com/office/powerpoint/2010/main" val="3628231696"/>
       </p:ext>
     </p:extLst>
   </p:cSld>
@@ -4387,7 +4556,7 @@
           <a:p>
             <a:r>
               <a:rPr lang="en-US" dirty="0"/>
-              <a:t>List (Mutable)</a:t>
+              <a:t>Strings (Immutable)</a:t>
             </a:r>
           </a:p>
         </p:txBody>
@@ -4472,7 +4641,7 @@
             <a:pPr algn="ctr"/>
             <a:r>
               <a:rPr lang="en-US" dirty="0"/>
-              <a:t>List</a:t>
+              <a:t>String</a:t>
             </a:r>
           </a:p>
         </p:txBody>
@@ -4547,7 +4716,7 @@
             <a:pPr algn="ctr"/>
             <a:r>
               <a:rPr lang="en-US" dirty="0"/>
-              <a:t>None</a:t>
+              <a:t>New String</a:t>
             </a:r>
           </a:p>
         </p:txBody>
@@ -4609,6 +4778,308 @@
         </p:nvSpPr>
         <p:spPr>
           <a:xfrm>
+            <a:off x="6430604" y="2170173"/>
+            <a:ext cx="1943400" cy="369332"/>
+          </a:xfrm>
+          <a:prstGeom prst="rect">
+            <a:avLst/>
+          </a:prstGeom>
+          <a:noFill/>
+          <a:ln>
+            <a:solidFill>
+              <a:schemeClr val="tx1"/>
+            </a:solidFill>
+          </a:ln>
+        </p:spPr>
+        <p:txBody>
+          <a:bodyPr wrap="square" rtlCol="0">
+            <a:spAutoFit/>
+          </a:bodyPr>
+          <a:lstStyle/>
+          <a:p>
+            <a:pPr algn="ctr"/>
+            <a:r>
+              <a:rPr lang="en-US" dirty="0"/>
+              <a:t>Identity Function</a:t>
+            </a:r>
+          </a:p>
+        </p:txBody>
+      </p:sp>
+    </p:spTree>
+    <p:extLst>
+      <p:ext uri="{BB962C8B-B14F-4D97-AF65-F5344CB8AC3E}">
+        <p14:creationId xmlns:p14="http://schemas.microsoft.com/office/powerpoint/2010/main" val="1692202243"/>
+      </p:ext>
+    </p:extLst>
+  </p:cSld>
+  <p:clrMapOvr>
+    <a:masterClrMapping/>
+  </p:clrMapOvr>
+</p:sld>
+</file>
+
+<file path=ppt/slides/slide6.xml><?xml version="1.0" encoding="utf-8"?>
+<p:sld xmlns:a="http://schemas.openxmlformats.org/drawingml/2006/main" xmlns:r="http://schemas.openxmlformats.org/officeDocument/2006/relationships" xmlns:p="http://schemas.openxmlformats.org/presentationml/2006/main">
+  <p:cSld>
+    <p:spTree>
+      <p:nvGrpSpPr>
+        <p:cNvPr id="1" name=""/>
+        <p:cNvGrpSpPr/>
+        <p:nvPr/>
+      </p:nvGrpSpPr>
+      <p:grpSpPr>
+        <a:xfrm>
+          <a:off x="0" y="0"/>
+          <a:ext cx="0" cy="0"/>
+          <a:chOff x="0" y="0"/>
+          <a:chExt cx="0" cy="0"/>
+        </a:xfrm>
+      </p:grpSpPr>
+      <p:sp>
+        <p:nvSpPr>
+          <p:cNvPr id="2" name="Title 1">
+            <a:extLst>
+              <a:ext uri="{FF2B5EF4-FFF2-40B4-BE49-F238E27FC236}">
+                <a16:creationId xmlns:a16="http://schemas.microsoft.com/office/drawing/2014/main" id="{179B3FEE-7F5A-40E1-8D2E-EDA2B021B367}"/>
+              </a:ext>
+            </a:extLst>
+          </p:cNvPr>
+          <p:cNvSpPr>
+            <a:spLocks noGrp="1"/>
+          </p:cNvSpPr>
+          <p:nvPr>
+            <p:ph type="title"/>
+          </p:nvPr>
+        </p:nvSpPr>
+        <p:spPr/>
+        <p:txBody>
+          <a:bodyPr/>
+          <a:lstStyle/>
+          <a:p>
+            <a:r>
+              <a:rPr lang="en-US" dirty="0"/>
+              <a:t>List (Mutable)</a:t>
+            </a:r>
+          </a:p>
+        </p:txBody>
+      </p:sp>
+      <p:sp>
+        <p:nvSpPr>
+          <p:cNvPr id="4" name="Oval 3">
+            <a:extLst>
+              <a:ext uri="{FF2B5EF4-FFF2-40B4-BE49-F238E27FC236}">
+                <a16:creationId xmlns:a16="http://schemas.microsoft.com/office/drawing/2014/main" id="{8F0BF89B-4FB1-46B3-A422-A3C75813D68B}"/>
+              </a:ext>
+            </a:extLst>
+          </p:cNvPr>
+          <p:cNvSpPr/>
+          <p:nvPr/>
+        </p:nvSpPr>
+        <p:spPr>
+          <a:xfrm>
+            <a:off x="4694295" y="2478035"/>
+            <a:ext cx="1679329" cy="1592455"/>
+          </a:xfrm>
+          <a:prstGeom prst="ellipse">
+            <a:avLst/>
+          </a:prstGeom>
+          <a:solidFill>
+            <a:schemeClr val="bg1"/>
+          </a:solidFill>
+        </p:spPr>
+        <p:style>
+          <a:lnRef idx="2">
+            <a:schemeClr val="accent1">
+              <a:shade val="50000"/>
+            </a:schemeClr>
+          </a:lnRef>
+          <a:fillRef idx="1">
+            <a:schemeClr val="accent1"/>
+          </a:fillRef>
+          <a:effectRef idx="0">
+            <a:schemeClr val="accent1"/>
+          </a:effectRef>
+          <a:fontRef idx="minor">
+            <a:schemeClr val="lt1"/>
+          </a:fontRef>
+        </p:style>
+        <p:txBody>
+          <a:bodyPr rtlCol="0" anchor="ctr"/>
+          <a:lstStyle/>
+          <a:p>
+            <a:pPr algn="ctr"/>
+            <a:endParaRPr lang="en-US"/>
+          </a:p>
+        </p:txBody>
+      </p:sp>
+      <p:sp>
+        <p:nvSpPr>
+          <p:cNvPr id="5" name="TextBox 4">
+            <a:extLst>
+              <a:ext uri="{FF2B5EF4-FFF2-40B4-BE49-F238E27FC236}">
+                <a16:creationId xmlns:a16="http://schemas.microsoft.com/office/drawing/2014/main" id="{62CCE6F8-E933-4EA1-A69C-3C71BD75C798}"/>
+              </a:ext>
+            </a:extLst>
+          </p:cNvPr>
+          <p:cNvSpPr txBox="1"/>
+          <p:nvPr/>
+        </p:nvSpPr>
+        <p:spPr>
+          <a:xfrm>
+            <a:off x="4637314" y="3059668"/>
+            <a:ext cx="1793290" cy="369332"/>
+          </a:xfrm>
+          <a:prstGeom prst="rect">
+            <a:avLst/>
+          </a:prstGeom>
+          <a:noFill/>
+        </p:spPr>
+        <p:txBody>
+          <a:bodyPr wrap="square" rtlCol="0">
+            <a:spAutoFit/>
+          </a:bodyPr>
+          <a:lstStyle/>
+          <a:p>
+            <a:pPr algn="ctr"/>
+            <a:r>
+              <a:rPr lang="en-US" dirty="0"/>
+              <a:t>List</a:t>
+            </a:r>
+          </a:p>
+        </p:txBody>
+      </p:sp>
+      <p:cxnSp>
+        <p:nvCxnSpPr>
+          <p:cNvPr id="6" name="Straight Arrow Connector 5">
+            <a:extLst>
+              <a:ext uri="{FF2B5EF4-FFF2-40B4-BE49-F238E27FC236}">
+                <a16:creationId xmlns:a16="http://schemas.microsoft.com/office/drawing/2014/main" id="{B1E66788-01CB-4373-A432-7E1C1E980473}"/>
+              </a:ext>
+            </a:extLst>
+          </p:cNvPr>
+          <p:cNvCxnSpPr/>
+          <p:nvPr/>
+        </p:nvCxnSpPr>
+        <p:spPr>
+          <a:xfrm>
+            <a:off x="5529278" y="4155991"/>
+            <a:ext cx="0" cy="674704"/>
+          </a:xfrm>
+          <a:prstGeom prst="straightConnector1">
+            <a:avLst/>
+          </a:prstGeom>
+          <a:ln w="63500">
+            <a:tailEnd type="triangle"/>
+          </a:ln>
+        </p:spPr>
+        <p:style>
+          <a:lnRef idx="1">
+            <a:schemeClr val="accent1"/>
+          </a:lnRef>
+          <a:fillRef idx="0">
+            <a:schemeClr val="accent1"/>
+          </a:fillRef>
+          <a:effectRef idx="0">
+            <a:schemeClr val="accent1"/>
+          </a:effectRef>
+          <a:fontRef idx="minor">
+            <a:schemeClr val="tx1"/>
+          </a:fontRef>
+        </p:style>
+      </p:cxnSp>
+      <p:sp>
+        <p:nvSpPr>
+          <p:cNvPr id="7" name="TextBox 6">
+            <a:extLst>
+              <a:ext uri="{FF2B5EF4-FFF2-40B4-BE49-F238E27FC236}">
+                <a16:creationId xmlns:a16="http://schemas.microsoft.com/office/drawing/2014/main" id="{4D98A4FA-2E16-49C1-85E7-C9A843FF3EE3}"/>
+              </a:ext>
+            </a:extLst>
+          </p:cNvPr>
+          <p:cNvSpPr txBox="1"/>
+          <p:nvPr/>
+        </p:nvSpPr>
+        <p:spPr>
+          <a:xfrm>
+            <a:off x="4739497" y="4821699"/>
+            <a:ext cx="1579561" cy="369332"/>
+          </a:xfrm>
+          <a:prstGeom prst="rect">
+            <a:avLst/>
+          </a:prstGeom>
+          <a:noFill/>
+        </p:spPr>
+        <p:txBody>
+          <a:bodyPr wrap="square" rtlCol="0">
+            <a:spAutoFit/>
+          </a:bodyPr>
+          <a:lstStyle/>
+          <a:p>
+            <a:pPr algn="ctr"/>
+            <a:r>
+              <a:rPr lang="en-US" dirty="0"/>
+              <a:t>None</a:t>
+            </a:r>
+          </a:p>
+        </p:txBody>
+      </p:sp>
+      <p:cxnSp>
+        <p:nvCxnSpPr>
+          <p:cNvPr id="8" name="Connector: Curved 7">
+            <a:extLst>
+              <a:ext uri="{FF2B5EF4-FFF2-40B4-BE49-F238E27FC236}">
+                <a16:creationId xmlns:a16="http://schemas.microsoft.com/office/drawing/2014/main" id="{51FE4399-5AA5-4C55-81BD-88BBBB403433}"/>
+              </a:ext>
+            </a:extLst>
+          </p:cNvPr>
+          <p:cNvCxnSpPr>
+            <a:cxnSpLocks/>
+          </p:cNvCxnSpPr>
+          <p:nvPr/>
+        </p:nvCxnSpPr>
+        <p:spPr>
+          <a:xfrm rot="10800000">
+            <a:off x="6114813" y="2645655"/>
+            <a:ext cx="315791" cy="309451"/>
+          </a:xfrm>
+          <a:prstGeom prst="curvedConnector3">
+            <a:avLst>
+              <a:gd name="adj1" fmla="val -325244"/>
+            </a:avLst>
+          </a:prstGeom>
+          <a:ln w="50800">
+            <a:tailEnd type="triangle"/>
+          </a:ln>
+        </p:spPr>
+        <p:style>
+          <a:lnRef idx="1">
+            <a:schemeClr val="accent1"/>
+          </a:lnRef>
+          <a:fillRef idx="0">
+            <a:schemeClr val="accent1"/>
+          </a:fillRef>
+          <a:effectRef idx="0">
+            <a:schemeClr val="accent1"/>
+          </a:effectRef>
+          <a:fontRef idx="minor">
+            <a:schemeClr val="tx1"/>
+          </a:fontRef>
+        </p:style>
+      </p:cxnSp>
+      <p:sp>
+        <p:nvSpPr>
+          <p:cNvPr id="9" name="TextBox 8">
+            <a:extLst>
+              <a:ext uri="{FF2B5EF4-FFF2-40B4-BE49-F238E27FC236}">
+                <a16:creationId xmlns:a16="http://schemas.microsoft.com/office/drawing/2014/main" id="{6889647B-CE0C-40C6-AF27-FF45309B5BC9}"/>
+              </a:ext>
+            </a:extLst>
+          </p:cNvPr>
+          <p:cNvSpPr txBox="1"/>
+          <p:nvPr/>
+        </p:nvSpPr>
+        <p:spPr>
+          <a:xfrm>
             <a:off x="6373624" y="2167007"/>
             <a:ext cx="2065326" cy="369332"/>
           </a:xfrm>
@@ -4721,7 +5192,7 @@
 </p:sld>
 </file>
 
-<file path=ppt/slides/slide6.xml><?xml version="1.0" encoding="utf-8"?>
+<file path=ppt/slides/slide7.xml><?xml version="1.0" encoding="utf-8"?>
 <p:sld xmlns:a="http://schemas.openxmlformats.org/drawingml/2006/main" xmlns:r="http://schemas.openxmlformats.org/officeDocument/2006/relationships" xmlns:p="http://schemas.openxmlformats.org/presentationml/2006/main">
   <p:cSld>
     <p:spTree>
